--- a/ppt 16-9/0582.想起主的恩典.pptx
+++ b/ppt 16-9/0582.想起主的恩典.pptx
@@ -5,7 +5,7 @@
     <p:sldMasterId id="2147483648" r:id="rId1"/>
   </p:sldMasterIdLst>
   <p:sldIdLst>
-    <p:sldId id="2347" r:id="rId2"/>
+    <p:sldId id="2349" r:id="rId2"/>
   </p:sldIdLst>
   <p:sldSz cx="12192000" cy="6858000"/>
   <p:notesSz cx="6858000" cy="9144000"/>
@@ -129,7 +129,7 @@
           <p:cNvPr id="2" name="标题 1">
             <a:extLst>
               <a:ext uri="{FF2B5EF4-FFF2-40B4-BE49-F238E27FC236}">
-                <a16:creationId xmlns:a16="http://schemas.microsoft.com/office/drawing/2014/main" id="{BFC6AA9A-916E-E94B-8EA3-D22B3763E40F}"/>
+                <a16:creationId xmlns:a16="http://schemas.microsoft.com/office/drawing/2014/main" id="{F779A0C7-AD11-F5B9-F247-26F9DF8B03E8}"/>
               </a:ext>
             </a:extLst>
           </p:cNvPr>
@@ -166,7 +166,7 @@
           <p:cNvPr id="3" name="副标题 2">
             <a:extLst>
               <a:ext uri="{FF2B5EF4-FFF2-40B4-BE49-F238E27FC236}">
-                <a16:creationId xmlns:a16="http://schemas.microsoft.com/office/drawing/2014/main" id="{C21A6B56-CC44-5D56-3564-D3EF67C3184D}"/>
+                <a16:creationId xmlns:a16="http://schemas.microsoft.com/office/drawing/2014/main" id="{83734A10-4A0F-47F3-4509-167A29EC218F}"/>
               </a:ext>
             </a:extLst>
           </p:cNvPr>
@@ -236,7 +236,7 @@
           <p:cNvPr id="4" name="日期占位符 3">
             <a:extLst>
               <a:ext uri="{FF2B5EF4-FFF2-40B4-BE49-F238E27FC236}">
-                <a16:creationId xmlns:a16="http://schemas.microsoft.com/office/drawing/2014/main" id="{6231853E-C25D-1AD9-7325-829D2D186E23}"/>
+                <a16:creationId xmlns:a16="http://schemas.microsoft.com/office/drawing/2014/main" id="{12AE74EF-204B-4BB4-3FC6-FBF0F9A6D09B}"/>
               </a:ext>
             </a:extLst>
           </p:cNvPr>
@@ -252,7 +252,7 @@
           <a:bodyPr/>
           <a:lstStyle/>
           <a:p>
-            <a:fld id="{C3544F0E-2605-4D10-BA3C-94508570BEEE}" type="datetimeFigureOut">
+            <a:fld id="{631F8C60-0040-44C6-845F-FE0C20CD73EC}" type="datetimeFigureOut">
               <a:rPr lang="zh-CN" altLang="en-US" smtClean="0"/>
               <a:t>2024/3/10</a:t>
             </a:fld>
@@ -265,7 +265,7 @@
           <p:cNvPr id="5" name="页脚占位符 4">
             <a:extLst>
               <a:ext uri="{FF2B5EF4-FFF2-40B4-BE49-F238E27FC236}">
-                <a16:creationId xmlns:a16="http://schemas.microsoft.com/office/drawing/2014/main" id="{329044A1-A1C7-F1B1-0851-6392BA95AEC0}"/>
+                <a16:creationId xmlns:a16="http://schemas.microsoft.com/office/drawing/2014/main" id="{C228F463-C537-6230-112F-E08C751304B5}"/>
               </a:ext>
             </a:extLst>
           </p:cNvPr>
@@ -290,7 +290,7 @@
           <p:cNvPr id="6" name="灯片编号占位符 5">
             <a:extLst>
               <a:ext uri="{FF2B5EF4-FFF2-40B4-BE49-F238E27FC236}">
-                <a16:creationId xmlns:a16="http://schemas.microsoft.com/office/drawing/2014/main" id="{C6273E72-1041-2D7B-BB42-E47B5C959A87}"/>
+                <a16:creationId xmlns:a16="http://schemas.microsoft.com/office/drawing/2014/main" id="{0779750B-98A0-5D78-032C-847CF1768943}"/>
               </a:ext>
             </a:extLst>
           </p:cNvPr>
@@ -306,7 +306,7 @@
           <a:bodyPr/>
           <a:lstStyle/>
           <a:p>
-            <a:fld id="{F0BC6054-8361-4056-9ECF-F15402FA6FFF}" type="slidenum">
+            <a:fld id="{31981CCA-D997-448B-BC7D-918548263DDD}" type="slidenum">
               <a:rPr lang="zh-CN" altLang="en-US" smtClean="0"/>
               <a:t>‹#›</a:t>
             </a:fld>
@@ -317,7 +317,7 @@
     </p:spTree>
     <p:extLst>
       <p:ext uri="{BB962C8B-B14F-4D97-AF65-F5344CB8AC3E}">
-        <p14:creationId xmlns:p14="http://schemas.microsoft.com/office/powerpoint/2010/main" val="2596328638"/>
+        <p14:creationId xmlns:p14="http://schemas.microsoft.com/office/powerpoint/2010/main" val="3722824803"/>
       </p:ext>
     </p:extLst>
   </p:cSld>
@@ -349,7 +349,7 @@
           <p:cNvPr id="2" name="标题 1">
             <a:extLst>
               <a:ext uri="{FF2B5EF4-FFF2-40B4-BE49-F238E27FC236}">
-                <a16:creationId xmlns:a16="http://schemas.microsoft.com/office/drawing/2014/main" id="{C0505396-E300-2742-DFC5-2540BD565AF3}"/>
+                <a16:creationId xmlns:a16="http://schemas.microsoft.com/office/drawing/2014/main" id="{D8CF675C-6038-B212-BB70-4637A786719D}"/>
               </a:ext>
             </a:extLst>
           </p:cNvPr>
@@ -377,7 +377,7 @@
           <p:cNvPr id="3" name="竖排文字占位符 2">
             <a:extLst>
               <a:ext uri="{FF2B5EF4-FFF2-40B4-BE49-F238E27FC236}">
-                <a16:creationId xmlns:a16="http://schemas.microsoft.com/office/drawing/2014/main" id="{1747828B-8CCA-9266-ED8E-3B379E583897}"/>
+                <a16:creationId xmlns:a16="http://schemas.microsoft.com/office/drawing/2014/main" id="{92A5EF0E-C814-5C1B-0CA8-BC94FBFABC34}"/>
               </a:ext>
             </a:extLst>
           </p:cNvPr>
@@ -434,7 +434,7 @@
           <p:cNvPr id="4" name="日期占位符 3">
             <a:extLst>
               <a:ext uri="{FF2B5EF4-FFF2-40B4-BE49-F238E27FC236}">
-                <a16:creationId xmlns:a16="http://schemas.microsoft.com/office/drawing/2014/main" id="{4F7A799F-B13C-2767-6F8E-CF1D861A5E0D}"/>
+                <a16:creationId xmlns:a16="http://schemas.microsoft.com/office/drawing/2014/main" id="{22171EC4-4438-44FB-8075-D792DCEA99E1}"/>
               </a:ext>
             </a:extLst>
           </p:cNvPr>
@@ -450,7 +450,7 @@
           <a:bodyPr/>
           <a:lstStyle/>
           <a:p>
-            <a:fld id="{C3544F0E-2605-4D10-BA3C-94508570BEEE}" type="datetimeFigureOut">
+            <a:fld id="{631F8C60-0040-44C6-845F-FE0C20CD73EC}" type="datetimeFigureOut">
               <a:rPr lang="zh-CN" altLang="en-US" smtClean="0"/>
               <a:t>2024/3/10</a:t>
             </a:fld>
@@ -463,7 +463,7 @@
           <p:cNvPr id="5" name="页脚占位符 4">
             <a:extLst>
               <a:ext uri="{FF2B5EF4-FFF2-40B4-BE49-F238E27FC236}">
-                <a16:creationId xmlns:a16="http://schemas.microsoft.com/office/drawing/2014/main" id="{11E49405-B6A0-89B9-E83A-9C793361B270}"/>
+                <a16:creationId xmlns:a16="http://schemas.microsoft.com/office/drawing/2014/main" id="{FE1B7AC8-C8C5-749E-656D-F13819992732}"/>
               </a:ext>
             </a:extLst>
           </p:cNvPr>
@@ -488,7 +488,7 @@
           <p:cNvPr id="6" name="灯片编号占位符 5">
             <a:extLst>
               <a:ext uri="{FF2B5EF4-FFF2-40B4-BE49-F238E27FC236}">
-                <a16:creationId xmlns:a16="http://schemas.microsoft.com/office/drawing/2014/main" id="{C04E9B0B-29D0-DFA1-E742-E7704DB7C495}"/>
+                <a16:creationId xmlns:a16="http://schemas.microsoft.com/office/drawing/2014/main" id="{90D83B9F-BFF6-9131-B4DC-C2A1A4397CD0}"/>
               </a:ext>
             </a:extLst>
           </p:cNvPr>
@@ -504,7 +504,7 @@
           <a:bodyPr/>
           <a:lstStyle/>
           <a:p>
-            <a:fld id="{F0BC6054-8361-4056-9ECF-F15402FA6FFF}" type="slidenum">
+            <a:fld id="{31981CCA-D997-448B-BC7D-918548263DDD}" type="slidenum">
               <a:rPr lang="zh-CN" altLang="en-US" smtClean="0"/>
               <a:t>‹#›</a:t>
             </a:fld>
@@ -515,7 +515,7 @@
     </p:spTree>
     <p:extLst>
       <p:ext uri="{BB962C8B-B14F-4D97-AF65-F5344CB8AC3E}">
-        <p14:creationId xmlns:p14="http://schemas.microsoft.com/office/powerpoint/2010/main" val="1989172470"/>
+        <p14:creationId xmlns:p14="http://schemas.microsoft.com/office/powerpoint/2010/main" val="609936487"/>
       </p:ext>
     </p:extLst>
   </p:cSld>
@@ -547,7 +547,7 @@
           <p:cNvPr id="2" name="竖排标题 1">
             <a:extLst>
               <a:ext uri="{FF2B5EF4-FFF2-40B4-BE49-F238E27FC236}">
-                <a16:creationId xmlns:a16="http://schemas.microsoft.com/office/drawing/2014/main" id="{A7D80A76-BD90-0690-FEF6-7B539F114818}"/>
+                <a16:creationId xmlns:a16="http://schemas.microsoft.com/office/drawing/2014/main" id="{563434DF-2FF4-73E9-E5F5-D5E1E94D6C4E}"/>
               </a:ext>
             </a:extLst>
           </p:cNvPr>
@@ -580,7 +580,7 @@
           <p:cNvPr id="3" name="竖排文字占位符 2">
             <a:extLst>
               <a:ext uri="{FF2B5EF4-FFF2-40B4-BE49-F238E27FC236}">
-                <a16:creationId xmlns:a16="http://schemas.microsoft.com/office/drawing/2014/main" id="{C411F166-0892-B7BC-F292-179CD73C97DB}"/>
+                <a16:creationId xmlns:a16="http://schemas.microsoft.com/office/drawing/2014/main" id="{1105BC5C-3C48-8187-8D2C-FA5234900F8F}"/>
               </a:ext>
             </a:extLst>
           </p:cNvPr>
@@ -642,7 +642,7 @@
           <p:cNvPr id="4" name="日期占位符 3">
             <a:extLst>
               <a:ext uri="{FF2B5EF4-FFF2-40B4-BE49-F238E27FC236}">
-                <a16:creationId xmlns:a16="http://schemas.microsoft.com/office/drawing/2014/main" id="{CD795E18-6F2F-5CFE-A6BD-01EE1731141C}"/>
+                <a16:creationId xmlns:a16="http://schemas.microsoft.com/office/drawing/2014/main" id="{581E8198-7D0B-F269-EC0B-FCB478A44A09}"/>
               </a:ext>
             </a:extLst>
           </p:cNvPr>
@@ -658,7 +658,7 @@
           <a:bodyPr/>
           <a:lstStyle/>
           <a:p>
-            <a:fld id="{C3544F0E-2605-4D10-BA3C-94508570BEEE}" type="datetimeFigureOut">
+            <a:fld id="{631F8C60-0040-44C6-845F-FE0C20CD73EC}" type="datetimeFigureOut">
               <a:rPr lang="zh-CN" altLang="en-US" smtClean="0"/>
               <a:t>2024/3/10</a:t>
             </a:fld>
@@ -671,7 +671,7 @@
           <p:cNvPr id="5" name="页脚占位符 4">
             <a:extLst>
               <a:ext uri="{FF2B5EF4-FFF2-40B4-BE49-F238E27FC236}">
-                <a16:creationId xmlns:a16="http://schemas.microsoft.com/office/drawing/2014/main" id="{B1D8E377-8265-613E-7E78-9B89C39B28E0}"/>
+                <a16:creationId xmlns:a16="http://schemas.microsoft.com/office/drawing/2014/main" id="{33E64A06-BCA5-673C-CAFE-2284B8C333FB}"/>
               </a:ext>
             </a:extLst>
           </p:cNvPr>
@@ -696,7 +696,7 @@
           <p:cNvPr id="6" name="灯片编号占位符 5">
             <a:extLst>
               <a:ext uri="{FF2B5EF4-FFF2-40B4-BE49-F238E27FC236}">
-                <a16:creationId xmlns:a16="http://schemas.microsoft.com/office/drawing/2014/main" id="{2C08714B-BB54-1E1A-DA39-1DEC4230DA74}"/>
+                <a16:creationId xmlns:a16="http://schemas.microsoft.com/office/drawing/2014/main" id="{76882F5D-C4A1-B73F-427B-AA6590CC7860}"/>
               </a:ext>
             </a:extLst>
           </p:cNvPr>
@@ -712,7 +712,7 @@
           <a:bodyPr/>
           <a:lstStyle/>
           <a:p>
-            <a:fld id="{F0BC6054-8361-4056-9ECF-F15402FA6FFF}" type="slidenum">
+            <a:fld id="{31981CCA-D997-448B-BC7D-918548263DDD}" type="slidenum">
               <a:rPr lang="zh-CN" altLang="en-US" smtClean="0"/>
               <a:t>‹#›</a:t>
             </a:fld>
@@ -723,7 +723,7 @@
     </p:spTree>
     <p:extLst>
       <p:ext uri="{BB962C8B-B14F-4D97-AF65-F5344CB8AC3E}">
-        <p14:creationId xmlns:p14="http://schemas.microsoft.com/office/powerpoint/2010/main" val="1905379145"/>
+        <p14:creationId xmlns:p14="http://schemas.microsoft.com/office/powerpoint/2010/main" val="2053015574"/>
       </p:ext>
     </p:extLst>
   </p:cSld>
@@ -755,7 +755,7 @@
           <p:cNvPr id="2" name="标题 1">
             <a:extLst>
               <a:ext uri="{FF2B5EF4-FFF2-40B4-BE49-F238E27FC236}">
-                <a16:creationId xmlns:a16="http://schemas.microsoft.com/office/drawing/2014/main" id="{50CC0962-E360-D6E1-B083-50E7D82D2559}"/>
+                <a16:creationId xmlns:a16="http://schemas.microsoft.com/office/drawing/2014/main" id="{D820FED3-4A86-F223-C26B-C7D20A231B45}"/>
               </a:ext>
             </a:extLst>
           </p:cNvPr>
@@ -783,7 +783,7 @@
           <p:cNvPr id="3" name="内容占位符 2">
             <a:extLst>
               <a:ext uri="{FF2B5EF4-FFF2-40B4-BE49-F238E27FC236}">
-                <a16:creationId xmlns:a16="http://schemas.microsoft.com/office/drawing/2014/main" id="{59413B41-4CC1-DEF1-54D8-C79FB4F30AE0}"/>
+                <a16:creationId xmlns:a16="http://schemas.microsoft.com/office/drawing/2014/main" id="{A5E6729A-9D7D-FD76-5EDB-8EA469494D85}"/>
               </a:ext>
             </a:extLst>
           </p:cNvPr>
@@ -840,7 +840,7 @@
           <p:cNvPr id="4" name="日期占位符 3">
             <a:extLst>
               <a:ext uri="{FF2B5EF4-FFF2-40B4-BE49-F238E27FC236}">
-                <a16:creationId xmlns:a16="http://schemas.microsoft.com/office/drawing/2014/main" id="{EFF33E75-DD77-701D-C3D0-9678D12145D1}"/>
+                <a16:creationId xmlns:a16="http://schemas.microsoft.com/office/drawing/2014/main" id="{0174AC1A-D3AC-CFED-4BD6-76C47896958F}"/>
               </a:ext>
             </a:extLst>
           </p:cNvPr>
@@ -856,7 +856,7 @@
           <a:bodyPr/>
           <a:lstStyle/>
           <a:p>
-            <a:fld id="{C3544F0E-2605-4D10-BA3C-94508570BEEE}" type="datetimeFigureOut">
+            <a:fld id="{631F8C60-0040-44C6-845F-FE0C20CD73EC}" type="datetimeFigureOut">
               <a:rPr lang="zh-CN" altLang="en-US" smtClean="0"/>
               <a:t>2024/3/10</a:t>
             </a:fld>
@@ -869,7 +869,7 @@
           <p:cNvPr id="5" name="页脚占位符 4">
             <a:extLst>
               <a:ext uri="{FF2B5EF4-FFF2-40B4-BE49-F238E27FC236}">
-                <a16:creationId xmlns:a16="http://schemas.microsoft.com/office/drawing/2014/main" id="{9CB8446C-C74F-6AC9-79DC-45BCBCA06445}"/>
+                <a16:creationId xmlns:a16="http://schemas.microsoft.com/office/drawing/2014/main" id="{E0959B4D-A29D-0DFA-6A9E-B825069B5BDA}"/>
               </a:ext>
             </a:extLst>
           </p:cNvPr>
@@ -894,7 +894,7 @@
           <p:cNvPr id="6" name="灯片编号占位符 5">
             <a:extLst>
               <a:ext uri="{FF2B5EF4-FFF2-40B4-BE49-F238E27FC236}">
-                <a16:creationId xmlns:a16="http://schemas.microsoft.com/office/drawing/2014/main" id="{6BD182C6-4BDA-A7C4-5F28-A31343314412}"/>
+                <a16:creationId xmlns:a16="http://schemas.microsoft.com/office/drawing/2014/main" id="{5688AA8E-D2FD-0CBD-C6DD-D189D2A0480D}"/>
               </a:ext>
             </a:extLst>
           </p:cNvPr>
@@ -910,7 +910,7 @@
           <a:bodyPr/>
           <a:lstStyle/>
           <a:p>
-            <a:fld id="{F0BC6054-8361-4056-9ECF-F15402FA6FFF}" type="slidenum">
+            <a:fld id="{31981CCA-D997-448B-BC7D-918548263DDD}" type="slidenum">
               <a:rPr lang="zh-CN" altLang="en-US" smtClean="0"/>
               <a:t>‹#›</a:t>
             </a:fld>
@@ -921,7 +921,7 @@
     </p:spTree>
     <p:extLst>
       <p:ext uri="{BB962C8B-B14F-4D97-AF65-F5344CB8AC3E}">
-        <p14:creationId xmlns:p14="http://schemas.microsoft.com/office/powerpoint/2010/main" val="3563773150"/>
+        <p14:creationId xmlns:p14="http://schemas.microsoft.com/office/powerpoint/2010/main" val="126012254"/>
       </p:ext>
     </p:extLst>
   </p:cSld>
@@ -953,7 +953,7 @@
           <p:cNvPr id="2" name="标题 1">
             <a:extLst>
               <a:ext uri="{FF2B5EF4-FFF2-40B4-BE49-F238E27FC236}">
-                <a16:creationId xmlns:a16="http://schemas.microsoft.com/office/drawing/2014/main" id="{0BD6DA33-0F2F-1BF8-5919-09EE4FDA211E}"/>
+                <a16:creationId xmlns:a16="http://schemas.microsoft.com/office/drawing/2014/main" id="{D081A196-B3F4-D073-5F9C-52565F9AADCD}"/>
               </a:ext>
             </a:extLst>
           </p:cNvPr>
@@ -990,7 +990,7 @@
           <p:cNvPr id="3" name="文本占位符 2">
             <a:extLst>
               <a:ext uri="{FF2B5EF4-FFF2-40B4-BE49-F238E27FC236}">
-                <a16:creationId xmlns:a16="http://schemas.microsoft.com/office/drawing/2014/main" id="{7936A268-F02F-7B59-34B9-96B9CFED369A}"/>
+                <a16:creationId xmlns:a16="http://schemas.microsoft.com/office/drawing/2014/main" id="{6BAD9371-5959-41BD-9CEF-1FFC1952240A}"/>
               </a:ext>
             </a:extLst>
           </p:cNvPr>
@@ -1115,7 +1115,7 @@
           <p:cNvPr id="4" name="日期占位符 3">
             <a:extLst>
               <a:ext uri="{FF2B5EF4-FFF2-40B4-BE49-F238E27FC236}">
-                <a16:creationId xmlns:a16="http://schemas.microsoft.com/office/drawing/2014/main" id="{68688463-D3D1-FF4C-C469-E3C63BE7BDC8}"/>
+                <a16:creationId xmlns:a16="http://schemas.microsoft.com/office/drawing/2014/main" id="{D9471E42-3C48-BC4A-EC68-F6AC56E6F3DB}"/>
               </a:ext>
             </a:extLst>
           </p:cNvPr>
@@ -1131,7 +1131,7 @@
           <a:bodyPr/>
           <a:lstStyle/>
           <a:p>
-            <a:fld id="{C3544F0E-2605-4D10-BA3C-94508570BEEE}" type="datetimeFigureOut">
+            <a:fld id="{631F8C60-0040-44C6-845F-FE0C20CD73EC}" type="datetimeFigureOut">
               <a:rPr lang="zh-CN" altLang="en-US" smtClean="0"/>
               <a:t>2024/3/10</a:t>
             </a:fld>
@@ -1144,7 +1144,7 @@
           <p:cNvPr id="5" name="页脚占位符 4">
             <a:extLst>
               <a:ext uri="{FF2B5EF4-FFF2-40B4-BE49-F238E27FC236}">
-                <a16:creationId xmlns:a16="http://schemas.microsoft.com/office/drawing/2014/main" id="{4AB39905-C725-0F33-B6E8-0A25FC3D9016}"/>
+                <a16:creationId xmlns:a16="http://schemas.microsoft.com/office/drawing/2014/main" id="{E9560B30-1079-68FB-4E57-3EB94E85E552}"/>
               </a:ext>
             </a:extLst>
           </p:cNvPr>
@@ -1169,7 +1169,7 @@
           <p:cNvPr id="6" name="灯片编号占位符 5">
             <a:extLst>
               <a:ext uri="{FF2B5EF4-FFF2-40B4-BE49-F238E27FC236}">
-                <a16:creationId xmlns:a16="http://schemas.microsoft.com/office/drawing/2014/main" id="{6BFE9DBD-7BEC-9F1A-F3C0-9607E2E345C2}"/>
+                <a16:creationId xmlns:a16="http://schemas.microsoft.com/office/drawing/2014/main" id="{6A86C527-CC25-C335-B0A5-4AACA2BF5C25}"/>
               </a:ext>
             </a:extLst>
           </p:cNvPr>
@@ -1185,7 +1185,7 @@
           <a:bodyPr/>
           <a:lstStyle/>
           <a:p>
-            <a:fld id="{F0BC6054-8361-4056-9ECF-F15402FA6FFF}" type="slidenum">
+            <a:fld id="{31981CCA-D997-448B-BC7D-918548263DDD}" type="slidenum">
               <a:rPr lang="zh-CN" altLang="en-US" smtClean="0"/>
               <a:t>‹#›</a:t>
             </a:fld>
@@ -1196,7 +1196,7 @@
     </p:spTree>
     <p:extLst>
       <p:ext uri="{BB962C8B-B14F-4D97-AF65-F5344CB8AC3E}">
-        <p14:creationId xmlns:p14="http://schemas.microsoft.com/office/powerpoint/2010/main" val="4086556328"/>
+        <p14:creationId xmlns:p14="http://schemas.microsoft.com/office/powerpoint/2010/main" val="4115005573"/>
       </p:ext>
     </p:extLst>
   </p:cSld>
@@ -1228,7 +1228,7 @@
           <p:cNvPr id="2" name="标题 1">
             <a:extLst>
               <a:ext uri="{FF2B5EF4-FFF2-40B4-BE49-F238E27FC236}">
-                <a16:creationId xmlns:a16="http://schemas.microsoft.com/office/drawing/2014/main" id="{2485EB91-0EAE-4F5E-DBBC-15D9850478F7}"/>
+                <a16:creationId xmlns:a16="http://schemas.microsoft.com/office/drawing/2014/main" id="{AA57C362-83BB-3055-E998-B62D92D69824}"/>
               </a:ext>
             </a:extLst>
           </p:cNvPr>
@@ -1256,7 +1256,7 @@
           <p:cNvPr id="3" name="内容占位符 2">
             <a:extLst>
               <a:ext uri="{FF2B5EF4-FFF2-40B4-BE49-F238E27FC236}">
-                <a16:creationId xmlns:a16="http://schemas.microsoft.com/office/drawing/2014/main" id="{7FAB3302-8718-004B-4307-A8D95326876F}"/>
+                <a16:creationId xmlns:a16="http://schemas.microsoft.com/office/drawing/2014/main" id="{75F96AE3-31AA-C226-7F59-64BB79406DF6}"/>
               </a:ext>
             </a:extLst>
           </p:cNvPr>
@@ -1318,7 +1318,7 @@
           <p:cNvPr id="4" name="内容占位符 3">
             <a:extLst>
               <a:ext uri="{FF2B5EF4-FFF2-40B4-BE49-F238E27FC236}">
-                <a16:creationId xmlns:a16="http://schemas.microsoft.com/office/drawing/2014/main" id="{694CEFFB-FEA8-544F-A257-19327F03B125}"/>
+                <a16:creationId xmlns:a16="http://schemas.microsoft.com/office/drawing/2014/main" id="{55107ED1-C717-9E6F-B8B7-168E643E806A}"/>
               </a:ext>
             </a:extLst>
           </p:cNvPr>
@@ -1380,7 +1380,7 @@
           <p:cNvPr id="5" name="日期占位符 4">
             <a:extLst>
               <a:ext uri="{FF2B5EF4-FFF2-40B4-BE49-F238E27FC236}">
-                <a16:creationId xmlns:a16="http://schemas.microsoft.com/office/drawing/2014/main" id="{95E072CF-7E42-BE0F-3BDE-8361ABC384FD}"/>
+                <a16:creationId xmlns:a16="http://schemas.microsoft.com/office/drawing/2014/main" id="{5BED843C-5DBA-EF30-85A3-512F064D0C63}"/>
               </a:ext>
             </a:extLst>
           </p:cNvPr>
@@ -1396,7 +1396,7 @@
           <a:bodyPr/>
           <a:lstStyle/>
           <a:p>
-            <a:fld id="{C3544F0E-2605-4D10-BA3C-94508570BEEE}" type="datetimeFigureOut">
+            <a:fld id="{631F8C60-0040-44C6-845F-FE0C20CD73EC}" type="datetimeFigureOut">
               <a:rPr lang="zh-CN" altLang="en-US" smtClean="0"/>
               <a:t>2024/3/10</a:t>
             </a:fld>
@@ -1409,7 +1409,7 @@
           <p:cNvPr id="6" name="页脚占位符 5">
             <a:extLst>
               <a:ext uri="{FF2B5EF4-FFF2-40B4-BE49-F238E27FC236}">
-                <a16:creationId xmlns:a16="http://schemas.microsoft.com/office/drawing/2014/main" id="{BAF964E1-CCC4-FB64-7EC0-4DE082F6E29C}"/>
+                <a16:creationId xmlns:a16="http://schemas.microsoft.com/office/drawing/2014/main" id="{0820F0A5-C43B-FFD5-79E7-41E79F118D56}"/>
               </a:ext>
             </a:extLst>
           </p:cNvPr>
@@ -1434,7 +1434,7 @@
           <p:cNvPr id="7" name="灯片编号占位符 6">
             <a:extLst>
               <a:ext uri="{FF2B5EF4-FFF2-40B4-BE49-F238E27FC236}">
-                <a16:creationId xmlns:a16="http://schemas.microsoft.com/office/drawing/2014/main" id="{BD1FB737-F7D5-CA95-EE4A-F3336F325F08}"/>
+                <a16:creationId xmlns:a16="http://schemas.microsoft.com/office/drawing/2014/main" id="{F876AAC6-7280-A4C1-31D8-9E29CAE24CFB}"/>
               </a:ext>
             </a:extLst>
           </p:cNvPr>
@@ -1450,7 +1450,7 @@
           <a:bodyPr/>
           <a:lstStyle/>
           <a:p>
-            <a:fld id="{F0BC6054-8361-4056-9ECF-F15402FA6FFF}" type="slidenum">
+            <a:fld id="{31981CCA-D997-448B-BC7D-918548263DDD}" type="slidenum">
               <a:rPr lang="zh-CN" altLang="en-US" smtClean="0"/>
               <a:t>‹#›</a:t>
             </a:fld>
@@ -1461,7 +1461,7 @@
     </p:spTree>
     <p:extLst>
       <p:ext uri="{BB962C8B-B14F-4D97-AF65-F5344CB8AC3E}">
-        <p14:creationId xmlns:p14="http://schemas.microsoft.com/office/powerpoint/2010/main" val="415252900"/>
+        <p14:creationId xmlns:p14="http://schemas.microsoft.com/office/powerpoint/2010/main" val="3711723303"/>
       </p:ext>
     </p:extLst>
   </p:cSld>
@@ -1493,7 +1493,7 @@
           <p:cNvPr id="2" name="标题 1">
             <a:extLst>
               <a:ext uri="{FF2B5EF4-FFF2-40B4-BE49-F238E27FC236}">
-                <a16:creationId xmlns:a16="http://schemas.microsoft.com/office/drawing/2014/main" id="{48EB148F-2C22-2CC0-E497-456528115710}"/>
+                <a16:creationId xmlns:a16="http://schemas.microsoft.com/office/drawing/2014/main" id="{BFC225C9-D137-B9E5-9033-60B8F64EC93E}"/>
               </a:ext>
             </a:extLst>
           </p:cNvPr>
@@ -1526,7 +1526,7 @@
           <p:cNvPr id="3" name="文本占位符 2">
             <a:extLst>
               <a:ext uri="{FF2B5EF4-FFF2-40B4-BE49-F238E27FC236}">
-                <a16:creationId xmlns:a16="http://schemas.microsoft.com/office/drawing/2014/main" id="{CE0AD4A0-291D-78E2-F8EE-477CA8749376}"/>
+                <a16:creationId xmlns:a16="http://schemas.microsoft.com/office/drawing/2014/main" id="{F43C19E0-D2E1-B92A-584A-8985EA1B6078}"/>
               </a:ext>
             </a:extLst>
           </p:cNvPr>
@@ -1597,7 +1597,7 @@
           <p:cNvPr id="4" name="内容占位符 3">
             <a:extLst>
               <a:ext uri="{FF2B5EF4-FFF2-40B4-BE49-F238E27FC236}">
-                <a16:creationId xmlns:a16="http://schemas.microsoft.com/office/drawing/2014/main" id="{1D636D97-A03A-8A0E-E4D5-ACC4B7EDE235}"/>
+                <a16:creationId xmlns:a16="http://schemas.microsoft.com/office/drawing/2014/main" id="{B534BF4C-AC5F-0C8B-9A9A-CAB5AD18D245}"/>
               </a:ext>
             </a:extLst>
           </p:cNvPr>
@@ -1659,7 +1659,7 @@
           <p:cNvPr id="5" name="文本占位符 4">
             <a:extLst>
               <a:ext uri="{FF2B5EF4-FFF2-40B4-BE49-F238E27FC236}">
-                <a16:creationId xmlns:a16="http://schemas.microsoft.com/office/drawing/2014/main" id="{B16B6C9D-6C96-AF4E-C3E8-92FDF9A75545}"/>
+                <a16:creationId xmlns:a16="http://schemas.microsoft.com/office/drawing/2014/main" id="{E6913D85-9E20-95CE-1EB1-EE9706ADB31C}"/>
               </a:ext>
             </a:extLst>
           </p:cNvPr>
@@ -1730,7 +1730,7 @@
           <p:cNvPr id="6" name="内容占位符 5">
             <a:extLst>
               <a:ext uri="{FF2B5EF4-FFF2-40B4-BE49-F238E27FC236}">
-                <a16:creationId xmlns:a16="http://schemas.microsoft.com/office/drawing/2014/main" id="{632D1AE2-50AE-BEF0-F348-E754BDA172D9}"/>
+                <a16:creationId xmlns:a16="http://schemas.microsoft.com/office/drawing/2014/main" id="{F073D4F6-8BD5-57FD-DE15-8BC96FFE5276}"/>
               </a:ext>
             </a:extLst>
           </p:cNvPr>
@@ -1792,7 +1792,7 @@
           <p:cNvPr id="7" name="日期占位符 6">
             <a:extLst>
               <a:ext uri="{FF2B5EF4-FFF2-40B4-BE49-F238E27FC236}">
-                <a16:creationId xmlns:a16="http://schemas.microsoft.com/office/drawing/2014/main" id="{8ECE84E7-0048-9B61-6E75-D35232DF1B95}"/>
+                <a16:creationId xmlns:a16="http://schemas.microsoft.com/office/drawing/2014/main" id="{BC3835EA-01CB-876F-930D-57D9FA561B3B}"/>
               </a:ext>
             </a:extLst>
           </p:cNvPr>
@@ -1808,7 +1808,7 @@
           <a:bodyPr/>
           <a:lstStyle/>
           <a:p>
-            <a:fld id="{C3544F0E-2605-4D10-BA3C-94508570BEEE}" type="datetimeFigureOut">
+            <a:fld id="{631F8C60-0040-44C6-845F-FE0C20CD73EC}" type="datetimeFigureOut">
               <a:rPr lang="zh-CN" altLang="en-US" smtClean="0"/>
               <a:t>2024/3/10</a:t>
             </a:fld>
@@ -1821,7 +1821,7 @@
           <p:cNvPr id="8" name="页脚占位符 7">
             <a:extLst>
               <a:ext uri="{FF2B5EF4-FFF2-40B4-BE49-F238E27FC236}">
-                <a16:creationId xmlns:a16="http://schemas.microsoft.com/office/drawing/2014/main" id="{51B3D213-6F5B-84B0-2183-B1F3E0DCDBA8}"/>
+                <a16:creationId xmlns:a16="http://schemas.microsoft.com/office/drawing/2014/main" id="{544A363B-3C14-06BF-272E-99DE8B1A1A6C}"/>
               </a:ext>
             </a:extLst>
           </p:cNvPr>
@@ -1846,7 +1846,7 @@
           <p:cNvPr id="9" name="灯片编号占位符 8">
             <a:extLst>
               <a:ext uri="{FF2B5EF4-FFF2-40B4-BE49-F238E27FC236}">
-                <a16:creationId xmlns:a16="http://schemas.microsoft.com/office/drawing/2014/main" id="{5FE04716-DC7A-6E07-D5CA-7F54A428B5F6}"/>
+                <a16:creationId xmlns:a16="http://schemas.microsoft.com/office/drawing/2014/main" id="{CAE659C8-BC03-AA28-86F1-1A3D965CF076}"/>
               </a:ext>
             </a:extLst>
           </p:cNvPr>
@@ -1862,7 +1862,7 @@
           <a:bodyPr/>
           <a:lstStyle/>
           <a:p>
-            <a:fld id="{F0BC6054-8361-4056-9ECF-F15402FA6FFF}" type="slidenum">
+            <a:fld id="{31981CCA-D997-448B-BC7D-918548263DDD}" type="slidenum">
               <a:rPr lang="zh-CN" altLang="en-US" smtClean="0"/>
               <a:t>‹#›</a:t>
             </a:fld>
@@ -1873,7 +1873,7 @@
     </p:spTree>
     <p:extLst>
       <p:ext uri="{BB962C8B-B14F-4D97-AF65-F5344CB8AC3E}">
-        <p14:creationId xmlns:p14="http://schemas.microsoft.com/office/powerpoint/2010/main" val="337384585"/>
+        <p14:creationId xmlns:p14="http://schemas.microsoft.com/office/powerpoint/2010/main" val="2930247168"/>
       </p:ext>
     </p:extLst>
   </p:cSld>
@@ -1905,7 +1905,7 @@
           <p:cNvPr id="2" name="标题 1">
             <a:extLst>
               <a:ext uri="{FF2B5EF4-FFF2-40B4-BE49-F238E27FC236}">
-                <a16:creationId xmlns:a16="http://schemas.microsoft.com/office/drawing/2014/main" id="{24BBF031-03B4-1E77-312C-E17EA65C2E1A}"/>
+                <a16:creationId xmlns:a16="http://schemas.microsoft.com/office/drawing/2014/main" id="{B3B70262-5F60-7D0C-1265-BA5A42FED731}"/>
               </a:ext>
             </a:extLst>
           </p:cNvPr>
@@ -1933,7 +1933,7 @@
           <p:cNvPr id="3" name="日期占位符 2">
             <a:extLst>
               <a:ext uri="{FF2B5EF4-FFF2-40B4-BE49-F238E27FC236}">
-                <a16:creationId xmlns:a16="http://schemas.microsoft.com/office/drawing/2014/main" id="{C7EF15FA-B445-25A4-67A5-52FC385B6EEC}"/>
+                <a16:creationId xmlns:a16="http://schemas.microsoft.com/office/drawing/2014/main" id="{574B2C36-4520-DB9E-DC38-B5B8CC37483F}"/>
               </a:ext>
             </a:extLst>
           </p:cNvPr>
@@ -1949,7 +1949,7 @@
           <a:bodyPr/>
           <a:lstStyle/>
           <a:p>
-            <a:fld id="{C3544F0E-2605-4D10-BA3C-94508570BEEE}" type="datetimeFigureOut">
+            <a:fld id="{631F8C60-0040-44C6-845F-FE0C20CD73EC}" type="datetimeFigureOut">
               <a:rPr lang="zh-CN" altLang="en-US" smtClean="0"/>
               <a:t>2024/3/10</a:t>
             </a:fld>
@@ -1962,7 +1962,7 @@
           <p:cNvPr id="4" name="页脚占位符 3">
             <a:extLst>
               <a:ext uri="{FF2B5EF4-FFF2-40B4-BE49-F238E27FC236}">
-                <a16:creationId xmlns:a16="http://schemas.microsoft.com/office/drawing/2014/main" id="{73EA644C-B9CD-7CEC-2922-022999A0017E}"/>
+                <a16:creationId xmlns:a16="http://schemas.microsoft.com/office/drawing/2014/main" id="{EA835035-5024-B8CA-E1CA-7ABF81DE3E51}"/>
               </a:ext>
             </a:extLst>
           </p:cNvPr>
@@ -1987,7 +1987,7 @@
           <p:cNvPr id="5" name="灯片编号占位符 4">
             <a:extLst>
               <a:ext uri="{FF2B5EF4-FFF2-40B4-BE49-F238E27FC236}">
-                <a16:creationId xmlns:a16="http://schemas.microsoft.com/office/drawing/2014/main" id="{C3728302-098C-D319-10BD-889EAAEDC480}"/>
+                <a16:creationId xmlns:a16="http://schemas.microsoft.com/office/drawing/2014/main" id="{D4C47335-FB8A-6551-4D95-F041A3B7E25B}"/>
               </a:ext>
             </a:extLst>
           </p:cNvPr>
@@ -2003,7 +2003,7 @@
           <a:bodyPr/>
           <a:lstStyle/>
           <a:p>
-            <a:fld id="{F0BC6054-8361-4056-9ECF-F15402FA6FFF}" type="slidenum">
+            <a:fld id="{31981CCA-D997-448B-BC7D-918548263DDD}" type="slidenum">
               <a:rPr lang="zh-CN" altLang="en-US" smtClean="0"/>
               <a:t>‹#›</a:t>
             </a:fld>
@@ -2014,7 +2014,7 @@
     </p:spTree>
     <p:extLst>
       <p:ext uri="{BB962C8B-B14F-4D97-AF65-F5344CB8AC3E}">
-        <p14:creationId xmlns:p14="http://schemas.microsoft.com/office/powerpoint/2010/main" val="2579267517"/>
+        <p14:creationId xmlns:p14="http://schemas.microsoft.com/office/powerpoint/2010/main" val="1354137987"/>
       </p:ext>
     </p:extLst>
   </p:cSld>
@@ -2046,7 +2046,7 @@
           <p:cNvPr id="2" name="日期占位符 1">
             <a:extLst>
               <a:ext uri="{FF2B5EF4-FFF2-40B4-BE49-F238E27FC236}">
-                <a16:creationId xmlns:a16="http://schemas.microsoft.com/office/drawing/2014/main" id="{D7444D7A-4544-72D2-3A43-EA108F636ABA}"/>
+                <a16:creationId xmlns:a16="http://schemas.microsoft.com/office/drawing/2014/main" id="{98FB48CB-31D8-A3D7-4576-7334F148F19D}"/>
               </a:ext>
             </a:extLst>
           </p:cNvPr>
@@ -2062,7 +2062,7 @@
           <a:bodyPr/>
           <a:lstStyle/>
           <a:p>
-            <a:fld id="{C3544F0E-2605-4D10-BA3C-94508570BEEE}" type="datetimeFigureOut">
+            <a:fld id="{631F8C60-0040-44C6-845F-FE0C20CD73EC}" type="datetimeFigureOut">
               <a:rPr lang="zh-CN" altLang="en-US" smtClean="0"/>
               <a:t>2024/3/10</a:t>
             </a:fld>
@@ -2075,7 +2075,7 @@
           <p:cNvPr id="3" name="页脚占位符 2">
             <a:extLst>
               <a:ext uri="{FF2B5EF4-FFF2-40B4-BE49-F238E27FC236}">
-                <a16:creationId xmlns:a16="http://schemas.microsoft.com/office/drawing/2014/main" id="{C1B01634-6286-1596-F51D-F8537A414A5C}"/>
+                <a16:creationId xmlns:a16="http://schemas.microsoft.com/office/drawing/2014/main" id="{D1DBA78B-FC92-EC8D-4D69-F203698EB6BC}"/>
               </a:ext>
             </a:extLst>
           </p:cNvPr>
@@ -2100,7 +2100,7 @@
           <p:cNvPr id="4" name="灯片编号占位符 3">
             <a:extLst>
               <a:ext uri="{FF2B5EF4-FFF2-40B4-BE49-F238E27FC236}">
-                <a16:creationId xmlns:a16="http://schemas.microsoft.com/office/drawing/2014/main" id="{BADE00DD-5F41-DFF2-2905-949A35CC150B}"/>
+                <a16:creationId xmlns:a16="http://schemas.microsoft.com/office/drawing/2014/main" id="{CD6A4366-E7D3-7A4E-9F01-13034B845FCB}"/>
               </a:ext>
             </a:extLst>
           </p:cNvPr>
@@ -2116,7 +2116,7 @@
           <a:bodyPr/>
           <a:lstStyle/>
           <a:p>
-            <a:fld id="{F0BC6054-8361-4056-9ECF-F15402FA6FFF}" type="slidenum">
+            <a:fld id="{31981CCA-D997-448B-BC7D-918548263DDD}" type="slidenum">
               <a:rPr lang="zh-CN" altLang="en-US" smtClean="0"/>
               <a:t>‹#›</a:t>
             </a:fld>
@@ -2127,7 +2127,7 @@
     </p:spTree>
     <p:extLst>
       <p:ext uri="{BB962C8B-B14F-4D97-AF65-F5344CB8AC3E}">
-        <p14:creationId xmlns:p14="http://schemas.microsoft.com/office/powerpoint/2010/main" val="1399969037"/>
+        <p14:creationId xmlns:p14="http://schemas.microsoft.com/office/powerpoint/2010/main" val="2091017599"/>
       </p:ext>
     </p:extLst>
   </p:cSld>
@@ -2159,7 +2159,7 @@
           <p:cNvPr id="2" name="标题 1">
             <a:extLst>
               <a:ext uri="{FF2B5EF4-FFF2-40B4-BE49-F238E27FC236}">
-                <a16:creationId xmlns:a16="http://schemas.microsoft.com/office/drawing/2014/main" id="{7C58A2BE-0974-EB3E-806F-4CF48AB71B22}"/>
+                <a16:creationId xmlns:a16="http://schemas.microsoft.com/office/drawing/2014/main" id="{9CA69E8F-3333-FC15-0F5F-3D9646426227}"/>
               </a:ext>
             </a:extLst>
           </p:cNvPr>
@@ -2196,7 +2196,7 @@
           <p:cNvPr id="3" name="内容占位符 2">
             <a:extLst>
               <a:ext uri="{FF2B5EF4-FFF2-40B4-BE49-F238E27FC236}">
-                <a16:creationId xmlns:a16="http://schemas.microsoft.com/office/drawing/2014/main" id="{8F010877-0DBC-CDD6-2EEB-8F7BEE190212}"/>
+                <a16:creationId xmlns:a16="http://schemas.microsoft.com/office/drawing/2014/main" id="{5BA4A6E7-290A-A734-BE3A-A1C90C46CB0E}"/>
               </a:ext>
             </a:extLst>
           </p:cNvPr>
@@ -2286,7 +2286,7 @@
           <p:cNvPr id="4" name="文本占位符 3">
             <a:extLst>
               <a:ext uri="{FF2B5EF4-FFF2-40B4-BE49-F238E27FC236}">
-                <a16:creationId xmlns:a16="http://schemas.microsoft.com/office/drawing/2014/main" id="{F82D1432-CF81-DA7D-3C55-6931AC9BDA36}"/>
+                <a16:creationId xmlns:a16="http://schemas.microsoft.com/office/drawing/2014/main" id="{FFC118C4-40D7-1AC6-A112-83C730503D21}"/>
               </a:ext>
             </a:extLst>
           </p:cNvPr>
@@ -2357,7 +2357,7 @@
           <p:cNvPr id="5" name="日期占位符 4">
             <a:extLst>
               <a:ext uri="{FF2B5EF4-FFF2-40B4-BE49-F238E27FC236}">
-                <a16:creationId xmlns:a16="http://schemas.microsoft.com/office/drawing/2014/main" id="{8DA84C8A-8AB8-280D-C452-87D1DEE824DF}"/>
+                <a16:creationId xmlns:a16="http://schemas.microsoft.com/office/drawing/2014/main" id="{2284ED57-5EDE-2BD1-A508-AD6758088CD6}"/>
               </a:ext>
             </a:extLst>
           </p:cNvPr>
@@ -2373,7 +2373,7 @@
           <a:bodyPr/>
           <a:lstStyle/>
           <a:p>
-            <a:fld id="{C3544F0E-2605-4D10-BA3C-94508570BEEE}" type="datetimeFigureOut">
+            <a:fld id="{631F8C60-0040-44C6-845F-FE0C20CD73EC}" type="datetimeFigureOut">
               <a:rPr lang="zh-CN" altLang="en-US" smtClean="0"/>
               <a:t>2024/3/10</a:t>
             </a:fld>
@@ -2386,7 +2386,7 @@
           <p:cNvPr id="6" name="页脚占位符 5">
             <a:extLst>
               <a:ext uri="{FF2B5EF4-FFF2-40B4-BE49-F238E27FC236}">
-                <a16:creationId xmlns:a16="http://schemas.microsoft.com/office/drawing/2014/main" id="{B9E8F853-2309-A2FD-80CA-F461900F8909}"/>
+                <a16:creationId xmlns:a16="http://schemas.microsoft.com/office/drawing/2014/main" id="{09B09881-A018-1D84-027F-774471A7BF3F}"/>
               </a:ext>
             </a:extLst>
           </p:cNvPr>
@@ -2411,7 +2411,7 @@
           <p:cNvPr id="7" name="灯片编号占位符 6">
             <a:extLst>
               <a:ext uri="{FF2B5EF4-FFF2-40B4-BE49-F238E27FC236}">
-                <a16:creationId xmlns:a16="http://schemas.microsoft.com/office/drawing/2014/main" id="{3F73F4EB-2C55-2809-EF85-238F918F4E3E}"/>
+                <a16:creationId xmlns:a16="http://schemas.microsoft.com/office/drawing/2014/main" id="{C926D6F3-5DFB-69AC-295B-EF5BA245F0A6}"/>
               </a:ext>
             </a:extLst>
           </p:cNvPr>
@@ -2427,7 +2427,7 @@
           <a:bodyPr/>
           <a:lstStyle/>
           <a:p>
-            <a:fld id="{F0BC6054-8361-4056-9ECF-F15402FA6FFF}" type="slidenum">
+            <a:fld id="{31981CCA-D997-448B-BC7D-918548263DDD}" type="slidenum">
               <a:rPr lang="zh-CN" altLang="en-US" smtClean="0"/>
               <a:t>‹#›</a:t>
             </a:fld>
@@ -2438,7 +2438,7 @@
     </p:spTree>
     <p:extLst>
       <p:ext uri="{BB962C8B-B14F-4D97-AF65-F5344CB8AC3E}">
-        <p14:creationId xmlns:p14="http://schemas.microsoft.com/office/powerpoint/2010/main" val="3280202323"/>
+        <p14:creationId xmlns:p14="http://schemas.microsoft.com/office/powerpoint/2010/main" val="3258423270"/>
       </p:ext>
     </p:extLst>
   </p:cSld>
@@ -2470,7 +2470,7 @@
           <p:cNvPr id="2" name="标题 1">
             <a:extLst>
               <a:ext uri="{FF2B5EF4-FFF2-40B4-BE49-F238E27FC236}">
-                <a16:creationId xmlns:a16="http://schemas.microsoft.com/office/drawing/2014/main" id="{E83D63B5-96CA-99C1-D182-F10CEE66CA12}"/>
+                <a16:creationId xmlns:a16="http://schemas.microsoft.com/office/drawing/2014/main" id="{96310EF6-C98A-F171-4CF6-D68639EF33E9}"/>
               </a:ext>
             </a:extLst>
           </p:cNvPr>
@@ -2507,7 +2507,7 @@
           <p:cNvPr id="3" name="图片占位符 2">
             <a:extLst>
               <a:ext uri="{FF2B5EF4-FFF2-40B4-BE49-F238E27FC236}">
-                <a16:creationId xmlns:a16="http://schemas.microsoft.com/office/drawing/2014/main" id="{6E741E87-F0BE-E264-816A-C9BF0FF5D1E4}"/>
+                <a16:creationId xmlns:a16="http://schemas.microsoft.com/office/drawing/2014/main" id="{E44A9FC3-4DAF-ABD1-F5A7-AC21ED9E8E23}"/>
               </a:ext>
             </a:extLst>
           </p:cNvPr>
@@ -2574,7 +2574,7 @@
           <p:cNvPr id="4" name="文本占位符 3">
             <a:extLst>
               <a:ext uri="{FF2B5EF4-FFF2-40B4-BE49-F238E27FC236}">
-                <a16:creationId xmlns:a16="http://schemas.microsoft.com/office/drawing/2014/main" id="{90C11BE3-30A4-3A88-649C-BCC868049AE6}"/>
+                <a16:creationId xmlns:a16="http://schemas.microsoft.com/office/drawing/2014/main" id="{C3E7649A-3C71-F7F0-5891-75E8886DCEBB}"/>
               </a:ext>
             </a:extLst>
           </p:cNvPr>
@@ -2645,7 +2645,7 @@
           <p:cNvPr id="5" name="日期占位符 4">
             <a:extLst>
               <a:ext uri="{FF2B5EF4-FFF2-40B4-BE49-F238E27FC236}">
-                <a16:creationId xmlns:a16="http://schemas.microsoft.com/office/drawing/2014/main" id="{D978C8AC-8EEC-0023-FC72-E020E18077AF}"/>
+                <a16:creationId xmlns:a16="http://schemas.microsoft.com/office/drawing/2014/main" id="{D8DADDC4-D740-4057-D0EA-DCADC60983D5}"/>
               </a:ext>
             </a:extLst>
           </p:cNvPr>
@@ -2661,7 +2661,7 @@
           <a:bodyPr/>
           <a:lstStyle/>
           <a:p>
-            <a:fld id="{C3544F0E-2605-4D10-BA3C-94508570BEEE}" type="datetimeFigureOut">
+            <a:fld id="{631F8C60-0040-44C6-845F-FE0C20CD73EC}" type="datetimeFigureOut">
               <a:rPr lang="zh-CN" altLang="en-US" smtClean="0"/>
               <a:t>2024/3/10</a:t>
             </a:fld>
@@ -2674,7 +2674,7 @@
           <p:cNvPr id="6" name="页脚占位符 5">
             <a:extLst>
               <a:ext uri="{FF2B5EF4-FFF2-40B4-BE49-F238E27FC236}">
-                <a16:creationId xmlns:a16="http://schemas.microsoft.com/office/drawing/2014/main" id="{5AAF2965-B26F-2D46-32F9-3E83DE49CE6C}"/>
+                <a16:creationId xmlns:a16="http://schemas.microsoft.com/office/drawing/2014/main" id="{10C78446-E9BF-0DD1-AAC2-17EC8FB751A2}"/>
               </a:ext>
             </a:extLst>
           </p:cNvPr>
@@ -2699,7 +2699,7 @@
           <p:cNvPr id="7" name="灯片编号占位符 6">
             <a:extLst>
               <a:ext uri="{FF2B5EF4-FFF2-40B4-BE49-F238E27FC236}">
-                <a16:creationId xmlns:a16="http://schemas.microsoft.com/office/drawing/2014/main" id="{E3F08F30-641A-5730-866D-BEA79F43937F}"/>
+                <a16:creationId xmlns:a16="http://schemas.microsoft.com/office/drawing/2014/main" id="{FC34C3D5-E5A3-98C1-881B-9D3878F642EE}"/>
               </a:ext>
             </a:extLst>
           </p:cNvPr>
@@ -2715,7 +2715,7 @@
           <a:bodyPr/>
           <a:lstStyle/>
           <a:p>
-            <a:fld id="{F0BC6054-8361-4056-9ECF-F15402FA6FFF}" type="slidenum">
+            <a:fld id="{31981CCA-D997-448B-BC7D-918548263DDD}" type="slidenum">
               <a:rPr lang="zh-CN" altLang="en-US" smtClean="0"/>
               <a:t>‹#›</a:t>
             </a:fld>
@@ -2726,7 +2726,7 @@
     </p:spTree>
     <p:extLst>
       <p:ext uri="{BB962C8B-B14F-4D97-AF65-F5344CB8AC3E}">
-        <p14:creationId xmlns:p14="http://schemas.microsoft.com/office/powerpoint/2010/main" val="4191561698"/>
+        <p14:creationId xmlns:p14="http://schemas.microsoft.com/office/powerpoint/2010/main" val="2408755664"/>
       </p:ext>
     </p:extLst>
   </p:cSld>
@@ -2763,7 +2763,7 @@
           <p:cNvPr id="2" name="标题占位符 1">
             <a:extLst>
               <a:ext uri="{FF2B5EF4-FFF2-40B4-BE49-F238E27FC236}">
-                <a16:creationId xmlns:a16="http://schemas.microsoft.com/office/drawing/2014/main" id="{38280E69-6D20-A91F-1BCC-AE76C6718D82}"/>
+                <a16:creationId xmlns:a16="http://schemas.microsoft.com/office/drawing/2014/main" id="{633A2945-1018-3215-0832-4469AE9129F7}"/>
               </a:ext>
             </a:extLst>
           </p:cNvPr>
@@ -2801,7 +2801,7 @@
           <p:cNvPr id="3" name="文本占位符 2">
             <a:extLst>
               <a:ext uri="{FF2B5EF4-FFF2-40B4-BE49-F238E27FC236}">
-                <a16:creationId xmlns:a16="http://schemas.microsoft.com/office/drawing/2014/main" id="{809AE0FB-3CE5-62B7-4440-8837911DE4D0}"/>
+                <a16:creationId xmlns:a16="http://schemas.microsoft.com/office/drawing/2014/main" id="{D15578E5-3993-FA77-14DB-EA82C3B3CEE4}"/>
               </a:ext>
             </a:extLst>
           </p:cNvPr>
@@ -2868,7 +2868,7 @@
           <p:cNvPr id="4" name="日期占位符 3">
             <a:extLst>
               <a:ext uri="{FF2B5EF4-FFF2-40B4-BE49-F238E27FC236}">
-                <a16:creationId xmlns:a16="http://schemas.microsoft.com/office/drawing/2014/main" id="{9BE007DE-A690-0FA3-E5E0-3FE26A4BA448}"/>
+                <a16:creationId xmlns:a16="http://schemas.microsoft.com/office/drawing/2014/main" id="{6A3E0100-9F99-1118-D8E4-DC126D4083E3}"/>
               </a:ext>
             </a:extLst>
           </p:cNvPr>
@@ -2902,7 +2902,7 @@
             </a:lvl1pPr>
           </a:lstStyle>
           <a:p>
-            <a:fld id="{C3544F0E-2605-4D10-BA3C-94508570BEEE}" type="datetimeFigureOut">
+            <a:fld id="{631F8C60-0040-44C6-845F-FE0C20CD73EC}" type="datetimeFigureOut">
               <a:rPr lang="zh-CN" altLang="en-US" smtClean="0"/>
               <a:t>2024/3/10</a:t>
             </a:fld>
@@ -2915,7 +2915,7 @@
           <p:cNvPr id="5" name="页脚占位符 4">
             <a:extLst>
               <a:ext uri="{FF2B5EF4-FFF2-40B4-BE49-F238E27FC236}">
-                <a16:creationId xmlns:a16="http://schemas.microsoft.com/office/drawing/2014/main" id="{988D64A5-97E6-695B-D99F-D12305FB5129}"/>
+                <a16:creationId xmlns:a16="http://schemas.microsoft.com/office/drawing/2014/main" id="{9020F3B5-E8E6-87D8-524B-14C7431AF19B}"/>
               </a:ext>
             </a:extLst>
           </p:cNvPr>
@@ -2958,7 +2958,7 @@
           <p:cNvPr id="6" name="灯片编号占位符 5">
             <a:extLst>
               <a:ext uri="{FF2B5EF4-FFF2-40B4-BE49-F238E27FC236}">
-                <a16:creationId xmlns:a16="http://schemas.microsoft.com/office/drawing/2014/main" id="{55BA1ACB-0301-B008-4A50-4B8A3425AD08}"/>
+                <a16:creationId xmlns:a16="http://schemas.microsoft.com/office/drawing/2014/main" id="{91C6D98D-0BA3-65D2-B535-A8A7BDDC30BB}"/>
               </a:ext>
             </a:extLst>
           </p:cNvPr>
@@ -2992,7 +2992,7 @@
             </a:lvl1pPr>
           </a:lstStyle>
           <a:p>
-            <a:fld id="{F0BC6054-8361-4056-9ECF-F15402FA6FFF}" type="slidenum">
+            <a:fld id="{31981CCA-D997-448B-BC7D-918548263DDD}" type="slidenum">
               <a:rPr lang="zh-CN" altLang="en-US" smtClean="0"/>
               <a:t>‹#›</a:t>
             </a:fld>
@@ -3003,7 +3003,7 @@
     </p:spTree>
     <p:extLst>
       <p:ext uri="{BB962C8B-B14F-4D97-AF65-F5344CB8AC3E}">
-        <p14:creationId xmlns:p14="http://schemas.microsoft.com/office/powerpoint/2010/main" val="1320859169"/>
+        <p14:creationId xmlns:p14="http://schemas.microsoft.com/office/powerpoint/2010/main" val="165228230"/>
       </p:ext>
     </p:extLst>
   </p:cSld>
@@ -3323,7 +3323,7 @@
       </p:grpSpPr>
       <p:pic>
         <p:nvPicPr>
-          <p:cNvPr id="595970" name="Picture 2" descr="581"/>
+          <p:cNvPr id="596994" name="Picture 2" descr="582"/>
           <p:cNvPicPr>
             <a:picLocks noChangeAspect="1" noChangeArrowheads="1"/>
           </p:cNvPicPr>
@@ -3375,158 +3375,11 @@
           </a:extLst>
         </p:spPr>
       </p:pic>
-      <p:pic>
-        <p:nvPicPr>
-          <p:cNvPr id="596995" name="Picture 3" descr="581-2"/>
-          <p:cNvPicPr>
-            <a:picLocks noChangeAspect="1" noChangeArrowheads="1"/>
-          </p:cNvPicPr>
-          <p:nvPr/>
-        </p:nvPicPr>
-        <p:blipFill>
-          <a:blip r:embed="rId3">
-            <a:extLst>
-              <a:ext uri="{28A0092B-C50C-407E-A947-70E740481C1C}">
-                <a14:useLocalDpi xmlns:a14="http://schemas.microsoft.com/office/drawing/2010/main" val="0"/>
-              </a:ext>
-            </a:extLst>
-          </a:blip>
-          <a:srcRect/>
-          <a:stretch>
-            <a:fillRect/>
-          </a:stretch>
-        </p:blipFill>
-        <p:spPr bwMode="auto">
-          <a:xfrm>
-            <a:off x="1524000" y="44450"/>
-            <a:ext cx="9144000" cy="6858000"/>
-          </a:xfrm>
-          <a:prstGeom prst="rect">
-            <a:avLst/>
-          </a:prstGeom>
-          <a:noFill/>
-          <a:ln>
-            <a:noFill/>
-          </a:ln>
-          <a:effectLst/>
-          <a:extLst>
-            <a:ext uri="{909E8E84-426E-40DD-AFC4-6F175D3DCCD1}">
-              <a14:hiddenFill xmlns:a14="http://schemas.microsoft.com/office/drawing/2010/main">
-                <a:solidFill>
-                  <a:srgbClr val="FFFFFF"/>
-                </a:solidFill>
-              </a14:hiddenFill>
-            </a:ext>
-            <a:ext uri="{91240B29-F687-4F45-9708-019B960494DF}">
-              <a14:hiddenLine xmlns:a14="http://schemas.microsoft.com/office/drawing/2010/main" w="9525">
-                <a:solidFill>
-                  <a:srgbClr val="000000"/>
-                </a:solidFill>
-                <a:miter lim="800000"/>
-                <a:headEnd/>
-                <a:tailEnd/>
-              </a14:hiddenLine>
-            </a:ext>
-            <a:ext uri="{AF507438-7753-43E0-B8FC-AC1667EBCBE1}">
-              <a14:hiddenEffects xmlns:a14="http://schemas.microsoft.com/office/drawing/2010/main">
-                <a:effectLst>
-                  <a:outerShdw dist="35921" dir="2700000" algn="ctr" rotWithShape="0">
-                    <a:srgbClr val="808080"/>
-                  </a:outerShdw>
-                </a:effectLst>
-              </a14:hiddenEffects>
-            </a:ext>
-          </a:extLst>
-        </p:spPr>
-      </p:pic>
     </p:spTree>
   </p:cSld>
   <p:clrMapOvr>
     <a:masterClrMapping/>
   </p:clrMapOvr>
-  <p:timing>
-    <p:tnLst>
-      <p:par>
-        <p:cTn id="1" dur="indefinite" restart="never" nodeType="tmRoot">
-          <p:childTnLst>
-            <p:seq concurrent="1" nextAc="seek">
-              <p:cTn id="2" dur="indefinite" nodeType="mainSeq">
-                <p:childTnLst>
-                  <p:par>
-                    <p:cTn id="3" fill="hold" nodeType="clickPar">
-                      <p:stCondLst>
-                        <p:cond delay="indefinite"/>
-                      </p:stCondLst>
-                      <p:childTnLst>
-                        <p:par>
-                          <p:cTn id="4" fill="hold" nodeType="withGroup">
-                            <p:stCondLst>
-                              <p:cond delay="0"/>
-                            </p:stCondLst>
-                            <p:childTnLst>
-                              <p:par>
-                                <p:cTn id="5" presetID="10" presetClass="entr" presetSubtype="0" fill="hold" nodeType="clickEffect">
-                                  <p:stCondLst>
-                                    <p:cond delay="0"/>
-                                  </p:stCondLst>
-                                  <p:childTnLst>
-                                    <p:set>
-                                      <p:cBhvr>
-                                        <p:cTn id="6" dur="1" fill="hold">
-                                          <p:stCondLst>
-                                            <p:cond delay="0"/>
-                                          </p:stCondLst>
-                                        </p:cTn>
-                                        <p:tgtEl>
-                                          <p:spTgt spid="596995"/>
-                                        </p:tgtEl>
-                                        <p:attrNameLst>
-                                          <p:attrName>style.visibility</p:attrName>
-                                        </p:attrNameLst>
-                                      </p:cBhvr>
-                                      <p:to>
-                                        <p:strVal val="visible"/>
-                                      </p:to>
-                                    </p:set>
-                                    <p:animEffect transition="in" filter="fade">
-                                      <p:cBhvr>
-                                        <p:cTn id="7" dur="500"/>
-                                        <p:tgtEl>
-                                          <p:spTgt spid="596995"/>
-                                        </p:tgtEl>
-                                      </p:cBhvr>
-                                    </p:animEffect>
-                                  </p:childTnLst>
-                                </p:cTn>
-                              </p:par>
-                            </p:childTnLst>
-                          </p:cTn>
-                        </p:par>
-                      </p:childTnLst>
-                    </p:cTn>
-                  </p:par>
-                </p:childTnLst>
-              </p:cTn>
-              <p:prevCondLst>
-                <p:cond evt="onPrev" delay="0">
-                  <p:tgtEl>
-                    <p:sldTgt/>
-                  </p:tgtEl>
-                </p:cond>
-              </p:prevCondLst>
-              <p:nextCondLst>
-                <p:cond evt="onNext" delay="0">
-                  <p:tgtEl>
-                    <p:sldTgt/>
-                  </p:tgtEl>
-                </p:cond>
-              </p:nextCondLst>
-            </p:seq>
-          </p:childTnLst>
-        </p:cTn>
-      </p:par>
-    </p:tnLst>
-  </p:timing>
 </p:sld>
 </file>
 
